--- a/online shopping cart.pptx
+++ b/online shopping cart.pptx
@@ -313,7 +313,7 @@
             <a:fld id="{B61BEF0D-F0BB-DE4B-95CE-6DB70DBA9567}" type="datetimeFigureOut">
               <a:rPr lang="en-US" dirty="0"/>
               <a:pPr/>
-              <a:t>12/13/2018</a:t>
+              <a:t>3/8/2019</a:t>
             </a:fld>
             <a:endParaRPr lang="en-US" dirty="0"/>
           </a:p>
@@ -648,7 +648,7 @@
             <a:fld id="{B61BEF0D-F0BB-DE4B-95CE-6DB70DBA9567}" type="datetimeFigureOut">
               <a:rPr lang="en-US" dirty="0"/>
               <a:pPr/>
-              <a:t>12/13/2018</a:t>
+              <a:t>3/8/2019</a:t>
             </a:fld>
             <a:endParaRPr lang="en-US" dirty="0"/>
           </a:p>
@@ -1046,7 +1046,7 @@
             <a:fld id="{B61BEF0D-F0BB-DE4B-95CE-6DB70DBA9567}" type="datetimeFigureOut">
               <a:rPr lang="en-US" dirty="0"/>
               <a:pPr/>
-              <a:t>12/13/2018</a:t>
+              <a:t>3/8/2019</a:t>
             </a:fld>
             <a:endParaRPr lang="en-US" dirty="0"/>
           </a:p>
@@ -1379,7 +1379,7 @@
             <a:fld id="{B61BEF0D-F0BB-DE4B-95CE-6DB70DBA9567}" type="datetimeFigureOut">
               <a:rPr lang="en-US" dirty="0"/>
               <a:pPr/>
-              <a:t>12/13/2018</a:t>
+              <a:t>3/8/2019</a:t>
             </a:fld>
             <a:endParaRPr lang="en-US" dirty="0"/>
           </a:p>
@@ -1696,7 +1696,7 @@
             <a:fld id="{B61BEF0D-F0BB-DE4B-95CE-6DB70DBA9567}" type="datetimeFigureOut">
               <a:rPr lang="en-US" dirty="0"/>
               <a:pPr/>
-              <a:t>12/13/2018</a:t>
+              <a:t>3/8/2019</a:t>
             </a:fld>
             <a:endParaRPr lang="en-US" dirty="0"/>
           </a:p>
@@ -2089,7 +2089,7 @@
             <a:fld id="{B61BEF0D-F0BB-DE4B-95CE-6DB70DBA9567}" type="datetimeFigureOut">
               <a:rPr lang="en-US" dirty="0"/>
               <a:pPr/>
-              <a:t>12/13/2018</a:t>
+              <a:t>3/8/2019</a:t>
             </a:fld>
             <a:endParaRPr lang="en-US" dirty="0"/>
           </a:p>
@@ -2343,7 +2343,7 @@
             <a:fld id="{B61BEF0D-F0BB-DE4B-95CE-6DB70DBA9567}" type="datetimeFigureOut">
               <a:rPr lang="en-US" dirty="0"/>
               <a:pPr/>
-              <a:t>12/13/2018</a:t>
+              <a:t>3/8/2019</a:t>
             </a:fld>
             <a:endParaRPr lang="en-US" dirty="0"/>
           </a:p>
@@ -2602,7 +2602,7 @@
             <a:fld id="{B61BEF0D-F0BB-DE4B-95CE-6DB70DBA9567}" type="datetimeFigureOut">
               <a:rPr lang="en-US" dirty="0"/>
               <a:pPr/>
-              <a:t>12/13/2018</a:t>
+              <a:t>3/8/2019</a:t>
             </a:fld>
             <a:endParaRPr lang="en-US" dirty="0"/>
           </a:p>
@@ -2861,7 +2861,7 @@
             <a:fld id="{B61BEF0D-F0BB-DE4B-95CE-6DB70DBA9567}" type="datetimeFigureOut">
               <a:rPr lang="en-US" dirty="0"/>
               <a:pPr/>
-              <a:t>12/13/2018</a:t>
+              <a:t>3/8/2019</a:t>
             </a:fld>
             <a:endParaRPr lang="en-US" dirty="0"/>
           </a:p>
@@ -3187,7 +3187,7 @@
             <a:fld id="{B61BEF0D-F0BB-DE4B-95CE-6DB70DBA9567}" type="datetimeFigureOut">
               <a:rPr lang="en-US" dirty="0"/>
               <a:pPr/>
-              <a:t>12/13/2018</a:t>
+              <a:t>3/8/2019</a:t>
             </a:fld>
             <a:endParaRPr lang="en-US" dirty="0"/>
           </a:p>
@@ -3507,7 +3507,7 @@
             <a:fld id="{B61BEF0D-F0BB-DE4B-95CE-6DB70DBA9567}" type="datetimeFigureOut">
               <a:rPr lang="en-US" dirty="0"/>
               <a:pPr/>
-              <a:t>12/13/2018</a:t>
+              <a:t>3/8/2019</a:t>
             </a:fld>
             <a:endParaRPr lang="en-US" dirty="0"/>
           </a:p>
@@ -3961,7 +3961,7 @@
             <a:fld id="{B61BEF0D-F0BB-DE4B-95CE-6DB70DBA9567}" type="datetimeFigureOut">
               <a:rPr lang="en-US" dirty="0"/>
               <a:pPr/>
-              <a:t>12/13/2018</a:t>
+              <a:t>3/8/2019</a:t>
             </a:fld>
             <a:endParaRPr lang="en-US" dirty="0"/>
           </a:p>
@@ -4163,7 +4163,7 @@
             <a:fld id="{B61BEF0D-F0BB-DE4B-95CE-6DB70DBA9567}" type="datetimeFigureOut">
               <a:rPr lang="en-US" dirty="0"/>
               <a:pPr/>
-              <a:t>12/13/2018</a:t>
+              <a:t>3/8/2019</a:t>
             </a:fld>
             <a:endParaRPr lang="en-US" dirty="0"/>
           </a:p>
@@ -4337,7 +4337,7 @@
             <a:fld id="{B61BEF0D-F0BB-DE4B-95CE-6DB70DBA9567}" type="datetimeFigureOut">
               <a:rPr lang="en-US" dirty="0"/>
               <a:pPr/>
-              <a:t>12/13/2018</a:t>
+              <a:t>3/8/2019</a:t>
             </a:fld>
             <a:endParaRPr lang="en-US" dirty="0"/>
           </a:p>
@@ -4667,7 +4667,7 @@
             <a:fld id="{B61BEF0D-F0BB-DE4B-95CE-6DB70DBA9567}" type="datetimeFigureOut">
               <a:rPr lang="en-US" dirty="0"/>
               <a:pPr/>
-              <a:t>12/13/2018</a:t>
+              <a:t>3/8/2019</a:t>
             </a:fld>
             <a:endParaRPr lang="en-US" dirty="0"/>
           </a:p>
@@ -5009,7 +5009,7 @@
             <a:fld id="{B61BEF0D-F0BB-DE4B-95CE-6DB70DBA9567}" type="datetimeFigureOut">
               <a:rPr lang="en-US" dirty="0"/>
               <a:pPr/>
-              <a:t>12/13/2018</a:t>
+              <a:t>3/8/2019</a:t>
             </a:fld>
             <a:endParaRPr lang="en-US" dirty="0"/>
           </a:p>
@@ -7123,7 +7123,7 @@
             <a:fld id="{B61BEF0D-F0BB-DE4B-95CE-6DB70DBA9567}" type="datetimeFigureOut">
               <a:rPr lang="en-US" dirty="0"/>
               <a:pPr/>
-              <a:t>12/13/2018</a:t>
+              <a:t>3/8/2019</a:t>
             </a:fld>
             <a:endParaRPr lang="en-US" dirty="0"/>
           </a:p>
@@ -8126,21 +8126,7 @@
                 <a:latin typeface="Times New Roman" panose="02020603050405020304" pitchFamily="18" charset="0"/>
                 <a:cs typeface="Times New Roman" panose="02020603050405020304" pitchFamily="18" charset="0"/>
               </a:rPr>
-              <a:t>H2</a:t>
-            </a:r>
-            <a:r>
-              <a:rPr lang="en-US" sz="2800" dirty="0" smtClean="0">
-                <a:latin typeface="Times New Roman" panose="02020603050405020304" pitchFamily="18" charset="0"/>
-                <a:cs typeface="Times New Roman" panose="02020603050405020304" pitchFamily="18" charset="0"/>
-              </a:rPr>
-              <a:t> </a:t>
-            </a:r>
-            <a:r>
-              <a:rPr lang="en-US" sz="2800" dirty="0" smtClean="0">
-                <a:latin typeface="Times New Roman" panose="02020603050405020304" pitchFamily="18" charset="0"/>
-                <a:cs typeface="Times New Roman" panose="02020603050405020304" pitchFamily="18" charset="0"/>
-              </a:rPr>
-              <a:t>DATABASE</a:t>
+              <a:t>H2 DATABASE</a:t>
             </a:r>
           </a:p>
           <a:p>
@@ -8355,6 +8341,13 @@
           <a:lstStyle/>
           <a:p>
             <a:r>
+              <a:rPr lang="en-US" sz="3200" dirty="0" smtClean="0">
+                <a:latin typeface="Times New Roman" panose="02020603050405020304" pitchFamily="18" charset="0"/>
+                <a:cs typeface="Times New Roman" panose="02020603050405020304" pitchFamily="18" charset="0"/>
+              </a:rPr>
+              <a:t>Ms. </a:t>
+            </a:r>
+            <a:r>
               <a:rPr lang="en-US" sz="3200" dirty="0" err="1" smtClean="0">
                 <a:latin typeface="Times New Roman" panose="02020603050405020304" pitchFamily="18" charset="0"/>
                 <a:cs typeface="Times New Roman" panose="02020603050405020304" pitchFamily="18" charset="0"/>
@@ -8366,7 +8359,14 @@
                 <a:latin typeface="Times New Roman" panose="02020603050405020304" pitchFamily="18" charset="0"/>
                 <a:cs typeface="Times New Roman" panose="02020603050405020304" pitchFamily="18" charset="0"/>
               </a:rPr>
-              <a:t> Kaur</a:t>
+              <a:t> </a:t>
+            </a:r>
+            <a:r>
+              <a:rPr lang="en-US" sz="3200" dirty="0" smtClean="0">
+                <a:latin typeface="Times New Roman" panose="02020603050405020304" pitchFamily="18" charset="0"/>
+                <a:cs typeface="Times New Roman" panose="02020603050405020304" pitchFamily="18" charset="0"/>
+              </a:rPr>
+              <a:t>Kaur</a:t>
             </a:r>
             <a:endParaRPr lang="en-US" sz="3200" dirty="0">
               <a:latin typeface="Times New Roman" panose="02020603050405020304" pitchFamily="18" charset="0"/>
@@ -8465,14 +8465,7 @@
                 <a:latin typeface="Times New Roman" panose="02020603050405020304" pitchFamily="18" charset="0"/>
                 <a:cs typeface="Times New Roman" panose="02020603050405020304" pitchFamily="18" charset="0"/>
               </a:rPr>
-              <a:t>AMIT KUMAR</a:t>
-            </a:r>
-            <a:r>
-              <a:rPr lang="en-US" sz="2800" dirty="0" smtClean="0">
-                <a:latin typeface="Times New Roman" panose="02020603050405020304" pitchFamily="18" charset="0"/>
-                <a:cs typeface="Times New Roman" panose="02020603050405020304" pitchFamily="18" charset="0"/>
-              </a:rPr>
-              <a:t> </a:t>
+              <a:t>AMIT KUMAR </a:t>
             </a:r>
             <a:r>
               <a:rPr lang="en-US" sz="2800" dirty="0">
@@ -8499,14 +8492,7 @@
                 <a:latin typeface="Times New Roman" panose="02020603050405020304" pitchFamily="18" charset="0"/>
                 <a:cs typeface="Times New Roman" panose="02020603050405020304" pitchFamily="18" charset="0"/>
               </a:rPr>
-              <a:t>DEEP SHIKHA</a:t>
-            </a:r>
-            <a:r>
-              <a:rPr lang="en-US" sz="2800" dirty="0" smtClean="0">
-                <a:latin typeface="Times New Roman" panose="02020603050405020304" pitchFamily="18" charset="0"/>
-                <a:cs typeface="Times New Roman" panose="02020603050405020304" pitchFamily="18" charset="0"/>
-              </a:rPr>
-              <a:t> </a:t>
+              <a:t>DEEP SHIKHA </a:t>
             </a:r>
             <a:r>
               <a:rPr lang="en-US" sz="2800" dirty="0">
